--- a/lectures/naive-bayes.pptx
+++ b/lectures/naive-bayes.pptx
@@ -232,7 +232,7 @@
           <a:p>
             <a:fld id="{8A1B613A-EFF1-404F-BEE8-EFAE84A4E5E2}" type="datetimeFigureOut">
               <a:rPr lang="en-US" smtClean="0"/>
-              <a:t>2/4/21</a:t>
+              <a:t>10/14/21</a:t>
             </a:fld>
             <a:endParaRPr lang="en-US"/>
           </a:p>
@@ -397,7 +397,7 @@
           <a:p>
             <a:fld id="{690847EA-AC25-3D4E-89E1-FD3F6A9702B6}" type="datetimeFigureOut">
               <a:rPr lang="en-US" smtClean="0"/>
-              <a:t>2/4/21</a:t>
+              <a:t>10/14/21</a:t>
             </a:fld>
             <a:endParaRPr lang="en-US"/>
           </a:p>
@@ -811,7 +811,7 @@
           <a:p>
             <a:fld id="{BE5295ED-3BAF-1140-8495-3D368771D6B1}" type="datetimeFigureOut">
               <a:rPr lang="en-US" smtClean="0"/>
-              <a:t>2/4/21</a:t>
+              <a:t>10/14/21</a:t>
             </a:fld>
             <a:endParaRPr lang="en-US"/>
           </a:p>
@@ -1009,7 +1009,7 @@
           <a:p>
             <a:fld id="{BE5295ED-3BAF-1140-8495-3D368771D6B1}" type="datetimeFigureOut">
               <a:rPr lang="en-US" smtClean="0"/>
-              <a:t>2/4/21</a:t>
+              <a:t>10/14/21</a:t>
             </a:fld>
             <a:endParaRPr lang="en-US"/>
           </a:p>
@@ -1217,7 +1217,7 @@
           <a:p>
             <a:fld id="{BE5295ED-3BAF-1140-8495-3D368771D6B1}" type="datetimeFigureOut">
               <a:rPr lang="en-US" smtClean="0"/>
-              <a:t>2/4/21</a:t>
+              <a:t>10/14/21</a:t>
             </a:fld>
             <a:endParaRPr lang="en-US"/>
           </a:p>
@@ -1415,7 +1415,7 @@
           <a:p>
             <a:fld id="{BE5295ED-3BAF-1140-8495-3D368771D6B1}" type="datetimeFigureOut">
               <a:rPr lang="en-US" smtClean="0"/>
-              <a:t>2/4/21</a:t>
+              <a:t>10/14/21</a:t>
             </a:fld>
             <a:endParaRPr lang="en-US"/>
           </a:p>
@@ -1690,7 +1690,7 @@
           <a:p>
             <a:fld id="{BE5295ED-3BAF-1140-8495-3D368771D6B1}" type="datetimeFigureOut">
               <a:rPr lang="en-US" smtClean="0"/>
-              <a:t>2/4/21</a:t>
+              <a:t>10/14/21</a:t>
             </a:fld>
             <a:endParaRPr lang="en-US"/>
           </a:p>
@@ -1955,7 +1955,7 @@
           <a:p>
             <a:fld id="{BE5295ED-3BAF-1140-8495-3D368771D6B1}" type="datetimeFigureOut">
               <a:rPr lang="en-US" smtClean="0"/>
-              <a:t>2/4/21</a:t>
+              <a:t>10/14/21</a:t>
             </a:fld>
             <a:endParaRPr lang="en-US"/>
           </a:p>
@@ -2367,7 +2367,7 @@
           <a:p>
             <a:fld id="{BE5295ED-3BAF-1140-8495-3D368771D6B1}" type="datetimeFigureOut">
               <a:rPr lang="en-US" smtClean="0"/>
-              <a:t>2/4/21</a:t>
+              <a:t>10/14/21</a:t>
             </a:fld>
             <a:endParaRPr lang="en-US"/>
           </a:p>
@@ -2508,7 +2508,7 @@
           <a:p>
             <a:fld id="{BE5295ED-3BAF-1140-8495-3D368771D6B1}" type="datetimeFigureOut">
               <a:rPr lang="en-US" smtClean="0"/>
-              <a:t>2/4/21</a:t>
+              <a:t>10/14/21</a:t>
             </a:fld>
             <a:endParaRPr lang="en-US"/>
           </a:p>
@@ -2621,7 +2621,7 @@
           <a:p>
             <a:fld id="{BE5295ED-3BAF-1140-8495-3D368771D6B1}" type="datetimeFigureOut">
               <a:rPr lang="en-US" smtClean="0"/>
-              <a:t>2/4/21</a:t>
+              <a:t>10/14/21</a:t>
             </a:fld>
             <a:endParaRPr lang="en-US"/>
           </a:p>
@@ -2932,7 +2932,7 @@
           <a:p>
             <a:fld id="{BE5295ED-3BAF-1140-8495-3D368771D6B1}" type="datetimeFigureOut">
               <a:rPr lang="en-US" smtClean="0"/>
-              <a:t>2/4/21</a:t>
+              <a:t>10/14/21</a:t>
             </a:fld>
             <a:endParaRPr lang="en-US"/>
           </a:p>
@@ -3223,7 +3223,7 @@
           <a:p>
             <a:fld id="{BE5295ED-3BAF-1140-8495-3D368771D6B1}" type="datetimeFigureOut">
               <a:rPr lang="en-US" smtClean="0"/>
-              <a:t>2/4/21</a:t>
+              <a:t>10/14/21</a:t>
             </a:fld>
             <a:endParaRPr lang="en-US"/>
           </a:p>
@@ -3464,7 +3464,7 @@
           <a:p>
             <a:fld id="{BE5295ED-3BAF-1140-8495-3D368771D6B1}" type="datetimeFigureOut">
               <a:rPr lang="en-US" smtClean="0"/>
-              <a:t>2/4/21</a:t>
+              <a:t>10/14/21</a:t>
             </a:fld>
             <a:endParaRPr lang="en-US"/>
           </a:p>
@@ -4084,8 +4084,8 @@
           </a:p>
         </p:txBody>
       </p:sp>
-      <mc:AlternateContent xmlns:mc="http://schemas.openxmlformats.org/markup-compatibility/2006" xmlns:a14="http://schemas.microsoft.com/office/drawing/2010/main">
-        <mc:Choice Requires="a14">
+      <mc:AlternateContent xmlns:mc="http://schemas.openxmlformats.org/markup-compatibility/2006">
+        <mc:Choice xmlns:a14="http://schemas.microsoft.com/office/drawing/2010/main" Requires="a14">
           <p:sp>
             <p:nvSpPr>
               <p:cNvPr id="3" name="Content Placeholder 2"/>
@@ -4151,8 +4151,12 @@
               </a:p>
               <a:p>
                 <a:r>
+                  <a:rPr lang="de-DE" dirty="0" err="1"/>
+                  <a:t>You‘ll</a:t>
+                </a:r>
+                <a:r>
                   <a:rPr lang="de-DE" dirty="0"/>
-                  <a:t>You‘ll </a:t>
+                  <a:t> </a:t>
                 </a:r>
                 <a:r>
                   <a:rPr lang="de-DE" dirty="0" err="1"/>
@@ -4363,7 +4367,7 @@
             </p:txBody>
           </p:sp>
         </mc:Choice>
-        <mc:Fallback xmlns="">
+        <mc:Fallback>
           <p:sp>
             <p:nvSpPr>
               <p:cNvPr id="3" name="Content Placeholder 2"/>
@@ -4382,7 +4386,7 @@
               <a:blipFill>
                 <a:blip r:embed="rId2"/>
                 <a:stretch>
-                  <a:fillRect l="-844" t="-2674" b="-2941"/>
+                  <a:fillRect l="-965" t="-2674" b="-3209"/>
                 </a:stretch>
               </a:blipFill>
             </p:spPr>
@@ -4944,7 +4948,15 @@
             </a:r>
             <a:r>
               <a:rPr lang="en-US" dirty="0"/>
-              <a:t>)? The number of documents in class c divided by the total number of documents; e.g., frequency of spam docs</a:t>
+              <a:t>)? The number of documents in class </a:t>
+            </a:r>
+            <a:r>
+              <a:rPr lang="en-US" i="1" dirty="0"/>
+              <a:t>c</a:t>
+            </a:r>
+            <a:r>
+              <a:rPr lang="en-US" dirty="0"/>
+              <a:t> divided by the total number of documents; e.g., frequency of spam docs</a:t>
             </a:r>
           </a:p>
           <a:p>
@@ -4980,7 +4992,23 @@
             </a:r>
             <a:r>
               <a:rPr lang="en-US" dirty="0"/>
-              <a:t>), which grows in size with the square!</a:t>
+              <a:t>); </a:t>
+            </a:r>
+            <a:r>
+              <a:rPr lang="en-US" i="1" dirty="0"/>
+              <a:t>n</a:t>
+            </a:r>
+            <a:r>
+              <a:rPr lang="en-US" dirty="0"/>
+              <a:t>-grams grow exponentially with length </a:t>
+            </a:r>
+            <a:r>
+              <a:rPr lang="en-US" i="1" dirty="0"/>
+              <a:t>n</a:t>
+            </a:r>
+            <a:r>
+              <a:rPr lang="en-US" dirty="0"/>
+              <a:t>!</a:t>
             </a:r>
           </a:p>
           <a:p>
@@ -5272,8 +5300,8 @@
         </p:nvSpPr>
         <p:spPr>
           <a:xfrm>
-            <a:off x="702527" y="1595336"/>
-            <a:ext cx="11076518" cy="4581627"/>
+            <a:off x="702526" y="1595336"/>
+            <a:ext cx="11134977" cy="4581627"/>
           </a:xfrm>
         </p:spPr>
         <p:txBody>
@@ -5298,7 +5326,7 @@
             </a:r>
             <a:r>
               <a:rPr lang="en-US" dirty="0"/>
-              <a:t>| w/word counts:</a:t>
+              <a:t>| with word counts:</a:t>
             </a:r>
           </a:p>
         </p:txBody>
@@ -5406,7 +5434,7 @@
         <p:spPr>
           <a:xfrm>
             <a:off x="935653" y="5833966"/>
-            <a:ext cx="8690199" cy="400110"/>
+            <a:ext cx="9812302" cy="400110"/>
           </a:xfrm>
           <a:prstGeom prst="rect">
             <a:avLst/>
@@ -5437,7 +5465,15 @@
             </a:r>
             <a:r>
               <a:rPr lang="en-US" sz="2000" dirty="0"/>
-              <a:t>)) </a:t>
+              <a:t>) for that </a:t>
+            </a:r>
+            <a:r>
+              <a:rPr lang="en-US" sz="2000" i="1" dirty="0"/>
+              <a:t>w</a:t>
+            </a:r>
+            <a:r>
+              <a:rPr lang="en-US" sz="2000" dirty="0"/>
+              <a:t>) </a:t>
             </a:r>
           </a:p>
         </p:txBody>
@@ -6259,11 +6295,15 @@
             </a:br>
             <a:r>
               <a:rPr lang="en-US" dirty="0"/>
-              <a:t>word vector at index 0; the</a:t>
+              <a:t>word vector at index 0;</a:t>
             </a:r>
             <a:br>
               <a:rPr lang="en-US" dirty="0"/>
             </a:br>
+            <a:r>
+              <a:rPr lang="en-US" dirty="0"/>
+              <a:t>the </a:t>
+            </a:r>
             <a:r>
               <a:rPr lang="en-US" i="1" dirty="0"/>
               <a:t>wordcount</a:t>
@@ -6273,8 +6313,12 @@
               <a:t>(</a:t>
             </a:r>
             <a:r>
+              <a:rPr lang="en-US" dirty="0" err="1"/>
+              <a:t>unknown</a:t>
+            </a:r>
+            <a:r>
               <a:rPr lang="en-US" i="1" dirty="0" err="1"/>
-              <a:t>w,c</a:t>
+              <a:t>,c</a:t>
             </a:r>
             <a:r>
               <a:rPr lang="en-US" dirty="0"/>
@@ -6888,7 +6932,12 @@
             <p:ph idx="1"/>
           </p:nvPr>
         </p:nvSpPr>
-        <p:spPr/>
+        <p:spPr>
+          <a:xfrm>
+            <a:off x="838200" y="1541352"/>
+            <a:ext cx="10515600" cy="4635611"/>
+          </a:xfrm>
+        </p:spPr>
         <p:txBody>
           <a:bodyPr/>
           <a:lstStyle/>
@@ -6908,7 +6957,7 @@
         </p:nvSpPr>
         <p:spPr>
           <a:xfrm>
-            <a:off x="2714287" y="2380700"/>
+            <a:off x="2714287" y="2075900"/>
             <a:ext cx="6913124" cy="1200329"/>
           </a:xfrm>
           <a:prstGeom prst="rect">
@@ -7307,6 +7356,80 @@
             <a:r>
               <a:rPr lang="en-US" sz="2400" dirty="0"/>
               <a:t>P(ham) = 2/4</a:t>
+            </a:r>
+          </a:p>
+        </p:txBody>
+      </p:sp>
+      <p:sp>
+        <p:nvSpPr>
+          <p:cNvPr id="13" name="TextBox 12">
+            <a:extLst>
+              <a:ext uri="{FF2B5EF4-FFF2-40B4-BE49-F238E27FC236}">
+                <a16:creationId xmlns:a16="http://schemas.microsoft.com/office/drawing/2014/main" id="{FFD3C534-5FB8-6149-B441-FDB85A32DA51}"/>
+              </a:ext>
+            </a:extLst>
+          </p:cNvPr>
+          <p:cNvSpPr txBox="1"/>
+          <p:nvPr/>
+        </p:nvSpPr>
+        <p:spPr>
+          <a:xfrm>
+            <a:off x="5025727" y="3350939"/>
+            <a:ext cx="1429367" cy="461665"/>
+          </a:xfrm>
+          <a:prstGeom prst="rect">
+            <a:avLst/>
+          </a:prstGeom>
+          <a:noFill/>
+        </p:spPr>
+        <p:txBody>
+          <a:bodyPr wrap="square">
+            <a:spAutoFit/>
+          </a:bodyPr>
+          <a:lstStyle/>
+          <a:p>
+            <a:r>
+              <a:rPr lang="en-US" sz="2400" i="1" dirty="0"/>
+              <a:t>X</a:t>
+            </a:r>
+            <a:r>
+              <a:rPr lang="en-US" sz="2400" dirty="0"/>
+              <a:t> matrix </a:t>
+            </a:r>
+          </a:p>
+        </p:txBody>
+      </p:sp>
+      <p:sp>
+        <p:nvSpPr>
+          <p:cNvPr id="6" name="TextBox 5">
+            <a:extLst>
+              <a:ext uri="{FF2B5EF4-FFF2-40B4-BE49-F238E27FC236}">
+                <a16:creationId xmlns:a16="http://schemas.microsoft.com/office/drawing/2014/main" id="{52A01D4C-2588-5246-9E6E-B246FD6A970C}"/>
+              </a:ext>
+            </a:extLst>
+          </p:cNvPr>
+          <p:cNvSpPr txBox="1"/>
+          <p:nvPr/>
+        </p:nvSpPr>
+        <p:spPr>
+          <a:xfrm rot="16200000">
+            <a:off x="1117349" y="4988608"/>
+            <a:ext cx="1236236" cy="369332"/>
+          </a:xfrm>
+          <a:prstGeom prst="rect">
+            <a:avLst/>
+          </a:prstGeom>
+          <a:noFill/>
+        </p:spPr>
+        <p:txBody>
+          <a:bodyPr wrap="none" rtlCol="0">
+            <a:spAutoFit/>
+          </a:bodyPr>
+          <a:lstStyle/>
+          <a:p>
+            <a:r>
+              <a:rPr lang="en-US" dirty="0"/>
+              <a:t>Document</a:t>
             </a:r>
           </a:p>
         </p:txBody>
@@ -10868,7 +10991,7 @@
           <a:p>
             <a:r>
               <a:rPr lang="en-US" dirty="0"/>
-              <a:t>That hints that accuracy can be very misleading by itself and for imbalanced datasets (as we will discuss in metrics lecture)</a:t>
+              <a:t>That hints that accuracy can be very misleading by itself and for imbalanced datasets</a:t>
             </a:r>
           </a:p>
           <a:p>

--- a/lectures/naive-bayes.pptx
+++ b/lectures/naive-bayes.pptx
@@ -232,7 +232,7 @@
           <a:p>
             <a:fld id="{8A1B613A-EFF1-404F-BEE8-EFAE84A4E5E2}" type="datetimeFigureOut">
               <a:rPr lang="en-US" smtClean="0"/>
-              <a:t>10/14/21</a:t>
+              <a:t>10/27/21</a:t>
             </a:fld>
             <a:endParaRPr lang="en-US"/>
           </a:p>
@@ -397,7 +397,7 @@
           <a:p>
             <a:fld id="{690847EA-AC25-3D4E-89E1-FD3F6A9702B6}" type="datetimeFigureOut">
               <a:rPr lang="en-US" smtClean="0"/>
-              <a:t>10/14/21</a:t>
+              <a:t>10/27/21</a:t>
             </a:fld>
             <a:endParaRPr lang="en-US"/>
           </a:p>
@@ -811,7 +811,7 @@
           <a:p>
             <a:fld id="{BE5295ED-3BAF-1140-8495-3D368771D6B1}" type="datetimeFigureOut">
               <a:rPr lang="en-US" smtClean="0"/>
-              <a:t>10/14/21</a:t>
+              <a:t>10/27/21</a:t>
             </a:fld>
             <a:endParaRPr lang="en-US"/>
           </a:p>
@@ -1009,7 +1009,7 @@
           <a:p>
             <a:fld id="{BE5295ED-3BAF-1140-8495-3D368771D6B1}" type="datetimeFigureOut">
               <a:rPr lang="en-US" smtClean="0"/>
-              <a:t>10/14/21</a:t>
+              <a:t>10/27/21</a:t>
             </a:fld>
             <a:endParaRPr lang="en-US"/>
           </a:p>
@@ -1217,7 +1217,7 @@
           <a:p>
             <a:fld id="{BE5295ED-3BAF-1140-8495-3D368771D6B1}" type="datetimeFigureOut">
               <a:rPr lang="en-US" smtClean="0"/>
-              <a:t>10/14/21</a:t>
+              <a:t>10/27/21</a:t>
             </a:fld>
             <a:endParaRPr lang="en-US"/>
           </a:p>
@@ -1415,7 +1415,7 @@
           <a:p>
             <a:fld id="{BE5295ED-3BAF-1140-8495-3D368771D6B1}" type="datetimeFigureOut">
               <a:rPr lang="en-US" smtClean="0"/>
-              <a:t>10/14/21</a:t>
+              <a:t>10/27/21</a:t>
             </a:fld>
             <a:endParaRPr lang="en-US"/>
           </a:p>
@@ -1690,7 +1690,7 @@
           <a:p>
             <a:fld id="{BE5295ED-3BAF-1140-8495-3D368771D6B1}" type="datetimeFigureOut">
               <a:rPr lang="en-US" smtClean="0"/>
-              <a:t>10/14/21</a:t>
+              <a:t>10/27/21</a:t>
             </a:fld>
             <a:endParaRPr lang="en-US"/>
           </a:p>
@@ -1955,7 +1955,7 @@
           <a:p>
             <a:fld id="{BE5295ED-3BAF-1140-8495-3D368771D6B1}" type="datetimeFigureOut">
               <a:rPr lang="en-US" smtClean="0"/>
-              <a:t>10/14/21</a:t>
+              <a:t>10/27/21</a:t>
             </a:fld>
             <a:endParaRPr lang="en-US"/>
           </a:p>
@@ -2367,7 +2367,7 @@
           <a:p>
             <a:fld id="{BE5295ED-3BAF-1140-8495-3D368771D6B1}" type="datetimeFigureOut">
               <a:rPr lang="en-US" smtClean="0"/>
-              <a:t>10/14/21</a:t>
+              <a:t>10/27/21</a:t>
             </a:fld>
             <a:endParaRPr lang="en-US"/>
           </a:p>
@@ -2508,7 +2508,7 @@
           <a:p>
             <a:fld id="{BE5295ED-3BAF-1140-8495-3D368771D6B1}" type="datetimeFigureOut">
               <a:rPr lang="en-US" smtClean="0"/>
-              <a:t>10/14/21</a:t>
+              <a:t>10/27/21</a:t>
             </a:fld>
             <a:endParaRPr lang="en-US"/>
           </a:p>
@@ -2621,7 +2621,7 @@
           <a:p>
             <a:fld id="{BE5295ED-3BAF-1140-8495-3D368771D6B1}" type="datetimeFigureOut">
               <a:rPr lang="en-US" smtClean="0"/>
-              <a:t>10/14/21</a:t>
+              <a:t>10/27/21</a:t>
             </a:fld>
             <a:endParaRPr lang="en-US"/>
           </a:p>
@@ -2932,7 +2932,7 @@
           <a:p>
             <a:fld id="{BE5295ED-3BAF-1140-8495-3D368771D6B1}" type="datetimeFigureOut">
               <a:rPr lang="en-US" smtClean="0"/>
-              <a:t>10/14/21</a:t>
+              <a:t>10/27/21</a:t>
             </a:fld>
             <a:endParaRPr lang="en-US"/>
           </a:p>
@@ -3223,7 +3223,7 @@
           <a:p>
             <a:fld id="{BE5295ED-3BAF-1140-8495-3D368771D6B1}" type="datetimeFigureOut">
               <a:rPr lang="en-US" smtClean="0"/>
-              <a:t>10/14/21</a:t>
+              <a:t>10/27/21</a:t>
             </a:fld>
             <a:endParaRPr lang="en-US"/>
           </a:p>
@@ -3464,7 +3464,7 @@
           <a:p>
             <a:fld id="{BE5295ED-3BAF-1140-8495-3D368771D6B1}" type="datetimeFigureOut">
               <a:rPr lang="en-US" smtClean="0"/>
-              <a:t>10/14/21</a:t>
+              <a:t>10/27/21</a:t>
             </a:fld>
             <a:endParaRPr lang="en-US"/>
           </a:p>
@@ -4152,11 +4152,11 @@
               <a:p>
                 <a:r>
                   <a:rPr lang="de-DE" dirty="0" err="1"/>
-                  <a:t>You‘ll</a:t>
+                  <a:t>You</a:t>
                 </a:r>
                 <a:r>
                   <a:rPr lang="de-DE" dirty="0"/>
-                  <a:t> </a:t>
+                  <a:t> will </a:t>
                 </a:r>
                 <a:r>
                   <a:rPr lang="de-DE" dirty="0" err="1"/>
@@ -5546,8 +5546,8 @@
           </a:p>
         </p:txBody>
       </p:sp>
-      <mc:AlternateContent xmlns:mc="http://schemas.openxmlformats.org/markup-compatibility/2006" xmlns:a14="http://schemas.microsoft.com/office/drawing/2010/main">
-        <mc:Choice Requires="a14">
+      <mc:AlternateContent xmlns:mc="http://schemas.openxmlformats.org/markup-compatibility/2006">
+        <mc:Choice xmlns:a14="http://schemas.microsoft.com/office/drawing/2010/main" Requires="a14">
           <p:sp>
             <p:nvSpPr>
               <p:cNvPr id="5" name="Rectangle 4"/>
@@ -5556,7 +5556,7 @@
             </p:nvSpPr>
             <p:spPr>
               <a:xfrm>
-                <a:off x="838199" y="2432076"/>
+                <a:off x="838200" y="1690688"/>
                 <a:ext cx="10290717" cy="3970318"/>
               </a:xfrm>
               <a:prstGeom prst="rect">
@@ -5649,7 +5649,7 @@
             </p:txBody>
           </p:sp>
         </mc:Choice>
-        <mc:Fallback xmlns="">
+        <mc:Fallback>
           <p:sp>
             <p:nvSpPr>
               <p:cNvPr id="5" name="Rectangle 4"/>
@@ -5660,7 +5660,7 @@
             </p:nvSpPr>
             <p:spPr>
               <a:xfrm>
-                <a:off x="838199" y="2432076"/>
+                <a:off x="838200" y="1690688"/>
                 <a:ext cx="10290717" cy="3970318"/>
               </a:xfrm>
               <a:prstGeom prst="rect">
@@ -5669,7 +5669,7 @@
               <a:blipFill>
                 <a:blip r:embed="rId2"/>
                 <a:stretch>
-                  <a:fillRect l="-985" t="-1592" b="-3185"/>
+                  <a:fillRect l="-1110" t="-1274" b="-3503"/>
                 </a:stretch>
               </a:blipFill>
             </p:spPr>
@@ -5710,7 +5710,7 @@
         </p:blipFill>
         <p:spPr>
           <a:xfrm>
-            <a:off x="3463618" y="4044109"/>
+            <a:off x="3423861" y="3308613"/>
             <a:ext cx="4635500" cy="1028700"/>
           </a:xfrm>
           <a:prstGeom prst="rect">
@@ -11860,8 +11860,8 @@
           </a:p>
         </p:txBody>
       </p:sp>
-      <mc:AlternateContent xmlns:mc="http://schemas.openxmlformats.org/markup-compatibility/2006" xmlns:a14="http://schemas.microsoft.com/office/drawing/2010/main">
-        <mc:Choice Requires="a14">
+      <mc:AlternateContent xmlns:mc="http://schemas.openxmlformats.org/markup-compatibility/2006">
+        <mc:Choice xmlns:a14="http://schemas.microsoft.com/office/drawing/2010/main" Requires="a14">
           <p:sp>
             <p:nvSpPr>
               <p:cNvPr id="3" name="Content Placeholder 2"/>
@@ -11874,19 +11874,19 @@
             </p:nvSpPr>
             <p:spPr>
               <a:xfrm>
-                <a:off x="838200" y="1140542"/>
-                <a:ext cx="10734368" cy="5378246"/>
+                <a:off x="838199" y="1043609"/>
+                <a:ext cx="10969487" cy="5475179"/>
               </a:xfrm>
             </p:spPr>
             <p:txBody>
               <a:bodyPr>
-                <a:normAutofit/>
+                <a:normAutofit lnSpcReduction="10000"/>
               </a:bodyPr>
               <a:lstStyle/>
               <a:p>
                 <a:r>
                   <a:rPr lang="en-US" dirty="0"/>
-                  <a:t>Do these terms sum to 1.0 after weighting?</a:t>
+                  <a:t>Do these terms sum to 1.0 after weighting (covering all likelihood)?</a:t>
                 </a:r>
               </a:p>
               <a:p>
@@ -11998,17 +11998,19 @@
                 </a:r>
                 <a:r>
                   <a:rPr lang="en-US" dirty="0"/>
-                  <a:t> probability makes the terms probabilities</a:t>
+                  <a:t> probability makes the terms fractions of the possibilities:</a:t>
                 </a:r>
               </a:p>
               <a:p>
-                <a:r>
-                  <a:rPr lang="en-US" dirty="0"/>
-                  <a:t>Called likelihood ratio:</a:t>
-                </a:r>
-                <a:br>
-                  <a:rPr lang="en-US" dirty="0"/>
-                </a:br>
+                <a:pPr marL="0" indent="0">
+                  <a:buNone/>
+                </a:pPr>
+                <a:endParaRPr lang="en-US" dirty="0"/>
+              </a:p>
+              <a:p>
+                <a:pPr marL="0" indent="0">
+                  <a:buNone/>
+                </a:pPr>
                 <a:br>
                   <a:rPr lang="en-US" dirty="0"/>
                 </a:br>
@@ -12023,7 +12025,7 @@
             </p:txBody>
           </p:sp>
         </mc:Choice>
-        <mc:Fallback xmlns="">
+        <mc:Fallback>
           <p:sp>
             <p:nvSpPr>
               <p:cNvPr id="3" name="Content Placeholder 2"/>
@@ -12036,13 +12038,13 @@
             </p:nvSpPr>
             <p:spPr>
               <a:xfrm>
-                <a:off x="838200" y="1140542"/>
-                <a:ext cx="10734368" cy="5378246"/>
+                <a:off x="838199" y="1043609"/>
+                <a:ext cx="10969487" cy="5475179"/>
               </a:xfrm>
               <a:blipFill>
                 <a:blip r:embed="rId2"/>
                 <a:stretch>
-                  <a:fillRect l="-1064" t="-1882" r="-591"/>
+                  <a:fillRect l="-925" t="-2546" r="-809"/>
                 </a:stretch>
               </a:blipFill>
             </p:spPr>
@@ -12061,8 +12063,8 @@
           </p:sp>
         </mc:Fallback>
       </mc:AlternateContent>
-      <mc:AlternateContent xmlns:mc="http://schemas.openxmlformats.org/markup-compatibility/2006" xmlns:a14="http://schemas.microsoft.com/office/drawing/2010/main">
-        <mc:Choice Requires="a14">
+      <mc:AlternateContent xmlns:mc="http://schemas.openxmlformats.org/markup-compatibility/2006">
+        <mc:Choice xmlns:a14="http://schemas.microsoft.com/office/drawing/2010/main" Requires="a14">
           <p:sp>
             <p:nvSpPr>
               <p:cNvPr id="4" name="TextBox 3"/>
@@ -12071,7 +12073,7 @@
             </p:nvSpPr>
             <p:spPr>
               <a:xfrm>
-                <a:off x="4770105" y="4603587"/>
+                <a:off x="4368881" y="4438114"/>
                 <a:ext cx="3908121" cy="901657"/>
               </a:xfrm>
               <a:prstGeom prst="rect">
@@ -12211,7 +12213,7 @@
             </p:txBody>
           </p:sp>
         </mc:Choice>
-        <mc:Fallback xmlns="">
+        <mc:Fallback>
           <p:sp>
             <p:nvSpPr>
               <p:cNvPr id="4" name="TextBox 3"/>
@@ -12222,7 +12224,7 @@
             </p:nvSpPr>
             <p:spPr>
               <a:xfrm>
-                <a:off x="4770105" y="4603587"/>
+                <a:off x="4368881" y="4438114"/>
                 <a:ext cx="3908121" cy="901657"/>
               </a:xfrm>
               <a:prstGeom prst="rect">
@@ -12231,7 +12233,7 @@
               <a:blipFill>
                 <a:blip r:embed="rId3"/>
                 <a:stretch>
-                  <a:fillRect l="-2597" t="-9722" r="-2273" b="-19444"/>
+                  <a:fillRect l="-2597" t="-11111" r="-2597" b="-19444"/>
                 </a:stretch>
               </a:blipFill>
             </p:spPr>
@@ -12250,6 +12252,82 @@
           </p:sp>
         </mc:Fallback>
       </mc:AlternateContent>
+      <p:sp>
+        <p:nvSpPr>
+          <p:cNvPr id="5" name="TextBox 4">
+            <a:extLst>
+              <a:ext uri="{FF2B5EF4-FFF2-40B4-BE49-F238E27FC236}">
+                <a16:creationId xmlns:a16="http://schemas.microsoft.com/office/drawing/2014/main" id="{5BF3567F-BE0C-8345-BBA5-D732A9497D8E}"/>
+              </a:ext>
+            </a:extLst>
+          </p:cNvPr>
+          <p:cNvSpPr txBox="1"/>
+          <p:nvPr/>
+        </p:nvSpPr>
+        <p:spPr>
+          <a:xfrm>
+            <a:off x="10707756" y="1769166"/>
+            <a:ext cx="1484244" cy="1815882"/>
+          </a:xfrm>
+          <a:prstGeom prst="rect">
+            <a:avLst/>
+          </a:prstGeom>
+          <a:noFill/>
+        </p:spPr>
+        <p:txBody>
+          <a:bodyPr wrap="square" rtlCol="0">
+            <a:spAutoFit/>
+          </a:bodyPr>
+          <a:lstStyle/>
+          <a:p>
+            <a:r>
+              <a:rPr lang="en-US" sz="1600" dirty="0"/>
+              <a:t>Imagine P(spam) = P(ham) = 0.5 and .7 for conditional probabilities, sum is 1.4</a:t>
+            </a:r>
+          </a:p>
+        </p:txBody>
+      </p:sp>
+      <p:cxnSp>
+        <p:nvCxnSpPr>
+          <p:cNvPr id="7" name="Straight Arrow Connector 6">
+            <a:extLst>
+              <a:ext uri="{FF2B5EF4-FFF2-40B4-BE49-F238E27FC236}">
+                <a16:creationId xmlns:a16="http://schemas.microsoft.com/office/drawing/2014/main" id="{04BD1ED1-D74C-D14B-BAA9-3C60995C9F2D}"/>
+              </a:ext>
+            </a:extLst>
+          </p:cNvPr>
+          <p:cNvCxnSpPr>
+            <a:cxnSpLocks/>
+          </p:cNvCxnSpPr>
+          <p:nvPr/>
+        </p:nvCxnSpPr>
+        <p:spPr>
+          <a:xfrm flipH="1" flipV="1">
+            <a:off x="10426148" y="1769166"/>
+            <a:ext cx="359465" cy="337930"/>
+          </a:xfrm>
+          <a:prstGeom prst="straightConnector1">
+            <a:avLst/>
+          </a:prstGeom>
+          <a:ln>
+            <a:tailEnd type="triangle"/>
+          </a:ln>
+        </p:spPr>
+        <p:style>
+          <a:lnRef idx="1">
+            <a:schemeClr val="accent1"/>
+          </a:lnRef>
+          <a:fillRef idx="0">
+            <a:schemeClr val="accent1"/>
+          </a:fillRef>
+          <a:effectRef idx="0">
+            <a:schemeClr val="accent1"/>
+          </a:effectRef>
+          <a:fontRef idx="minor">
+            <a:schemeClr val="tx1"/>
+          </a:fontRef>
+        </p:style>
+      </p:cxnSp>
     </p:spTree>
     <p:extLst>
       <p:ext uri="{BB962C8B-B14F-4D97-AF65-F5344CB8AC3E}">

--- a/lectures/naive-bayes.pptx
+++ b/lectures/naive-bayes.pptx
@@ -4084,8 +4084,8 @@
           </a:p>
         </p:txBody>
       </p:sp>
-      <mc:AlternateContent xmlns:mc="http://schemas.openxmlformats.org/markup-compatibility/2006">
-        <mc:Choice xmlns:a14="http://schemas.microsoft.com/office/drawing/2010/main" Requires="a14">
+      <mc:AlternateContent xmlns:mc="http://schemas.openxmlformats.org/markup-compatibility/2006" xmlns:a14="http://schemas.microsoft.com/office/drawing/2010/main">
+        <mc:Choice Requires="a14">
           <p:sp>
             <p:nvSpPr>
               <p:cNvPr id="3" name="Content Placeholder 2"/>
@@ -4367,7 +4367,7 @@
             </p:txBody>
           </p:sp>
         </mc:Choice>
-        <mc:Fallback>
+        <mc:Fallback xmlns="">
           <p:sp>
             <p:nvSpPr>
               <p:cNvPr id="3" name="Content Placeholder 2"/>
@@ -5546,8 +5546,8 @@
           </a:p>
         </p:txBody>
       </p:sp>
-      <mc:AlternateContent xmlns:mc="http://schemas.openxmlformats.org/markup-compatibility/2006">
-        <mc:Choice xmlns:a14="http://schemas.microsoft.com/office/drawing/2010/main" Requires="a14">
+      <mc:AlternateContent xmlns:mc="http://schemas.openxmlformats.org/markup-compatibility/2006" xmlns:a14="http://schemas.microsoft.com/office/drawing/2010/main">
+        <mc:Choice Requires="a14">
           <p:sp>
             <p:nvSpPr>
               <p:cNvPr id="5" name="Rectangle 4"/>
@@ -5649,7 +5649,7 @@
             </p:txBody>
           </p:sp>
         </mc:Choice>
-        <mc:Fallback>
+        <mc:Fallback xmlns="">
           <p:sp>
             <p:nvSpPr>
               <p:cNvPr id="5" name="Rectangle 4"/>
@@ -11860,8 +11860,8 @@
           </a:p>
         </p:txBody>
       </p:sp>
-      <mc:AlternateContent xmlns:mc="http://schemas.openxmlformats.org/markup-compatibility/2006">
-        <mc:Choice xmlns:a14="http://schemas.microsoft.com/office/drawing/2010/main" Requires="a14">
+      <mc:AlternateContent xmlns:mc="http://schemas.openxmlformats.org/markup-compatibility/2006" xmlns:a14="http://schemas.microsoft.com/office/drawing/2010/main">
+        <mc:Choice Requires="a14">
           <p:sp>
             <p:nvSpPr>
               <p:cNvPr id="3" name="Content Placeholder 2"/>
@@ -12025,7 +12025,7 @@
             </p:txBody>
           </p:sp>
         </mc:Choice>
-        <mc:Fallback>
+        <mc:Fallback xmlns="">
           <p:sp>
             <p:nvSpPr>
               <p:cNvPr id="3" name="Content Placeholder 2"/>
@@ -12063,8 +12063,8 @@
           </p:sp>
         </mc:Fallback>
       </mc:AlternateContent>
-      <mc:AlternateContent xmlns:mc="http://schemas.openxmlformats.org/markup-compatibility/2006">
-        <mc:Choice xmlns:a14="http://schemas.microsoft.com/office/drawing/2010/main" Requires="a14">
+      <mc:AlternateContent xmlns:mc="http://schemas.openxmlformats.org/markup-compatibility/2006" xmlns:a14="http://schemas.microsoft.com/office/drawing/2010/main">
+        <mc:Choice Requires="a14">
           <p:sp>
             <p:nvSpPr>
               <p:cNvPr id="4" name="TextBox 3"/>
@@ -12213,7 +12213,7 @@
             </p:txBody>
           </p:sp>
         </mc:Choice>
-        <mc:Fallback>
+        <mc:Fallback xmlns="">
           <p:sp>
             <p:nvSpPr>
               <p:cNvPr id="4" name="TextBox 3"/>
@@ -12282,8 +12282,13 @@
           <a:p>
             <a:r>
               <a:rPr lang="en-US" sz="1600" dirty="0"/>
-              <a:t>Imagine P(spam) = P(ham) = 0.5 and .7 for conditional probabilities, sum is 1.4</a:t>
-            </a:r>
+              <a:t>Imagine P(spam) = P(ham) = 0.5 and .7 for conditional probabilities, sum </a:t>
+            </a:r>
+            <a:r>
+              <a:rPr lang="en-US" sz="1600"/>
+              <a:t>is 0.7!=1</a:t>
+            </a:r>
+            <a:endParaRPr lang="en-US" sz="1600" dirty="0"/>
           </a:p>
         </p:txBody>
       </p:sp>

--- a/lectures/naive-bayes.pptx
+++ b/lectures/naive-bayes.pptx
@@ -232,7 +232,7 @@
           <a:p>
             <a:fld id="{8A1B613A-EFF1-404F-BEE8-EFAE84A4E5E2}" type="datetimeFigureOut">
               <a:rPr lang="en-US" smtClean="0"/>
-              <a:t>10/27/21</a:t>
+              <a:t>11/2/21</a:t>
             </a:fld>
             <a:endParaRPr lang="en-US"/>
           </a:p>
@@ -397,7 +397,7 @@
           <a:p>
             <a:fld id="{690847EA-AC25-3D4E-89E1-FD3F6A9702B6}" type="datetimeFigureOut">
               <a:rPr lang="en-US" smtClean="0"/>
-              <a:t>10/27/21</a:t>
+              <a:t>11/2/21</a:t>
             </a:fld>
             <a:endParaRPr lang="en-US"/>
           </a:p>
@@ -811,7 +811,7 @@
           <a:p>
             <a:fld id="{BE5295ED-3BAF-1140-8495-3D368771D6B1}" type="datetimeFigureOut">
               <a:rPr lang="en-US" smtClean="0"/>
-              <a:t>10/27/21</a:t>
+              <a:t>11/2/21</a:t>
             </a:fld>
             <a:endParaRPr lang="en-US"/>
           </a:p>
@@ -1009,7 +1009,7 @@
           <a:p>
             <a:fld id="{BE5295ED-3BAF-1140-8495-3D368771D6B1}" type="datetimeFigureOut">
               <a:rPr lang="en-US" smtClean="0"/>
-              <a:t>10/27/21</a:t>
+              <a:t>11/2/21</a:t>
             </a:fld>
             <a:endParaRPr lang="en-US"/>
           </a:p>
@@ -1217,7 +1217,7 @@
           <a:p>
             <a:fld id="{BE5295ED-3BAF-1140-8495-3D368771D6B1}" type="datetimeFigureOut">
               <a:rPr lang="en-US" smtClean="0"/>
-              <a:t>10/27/21</a:t>
+              <a:t>11/2/21</a:t>
             </a:fld>
             <a:endParaRPr lang="en-US"/>
           </a:p>
@@ -1415,7 +1415,7 @@
           <a:p>
             <a:fld id="{BE5295ED-3BAF-1140-8495-3D368771D6B1}" type="datetimeFigureOut">
               <a:rPr lang="en-US" smtClean="0"/>
-              <a:t>10/27/21</a:t>
+              <a:t>11/2/21</a:t>
             </a:fld>
             <a:endParaRPr lang="en-US"/>
           </a:p>
@@ -1690,7 +1690,7 @@
           <a:p>
             <a:fld id="{BE5295ED-3BAF-1140-8495-3D368771D6B1}" type="datetimeFigureOut">
               <a:rPr lang="en-US" smtClean="0"/>
-              <a:t>10/27/21</a:t>
+              <a:t>11/2/21</a:t>
             </a:fld>
             <a:endParaRPr lang="en-US"/>
           </a:p>
@@ -1955,7 +1955,7 @@
           <a:p>
             <a:fld id="{BE5295ED-3BAF-1140-8495-3D368771D6B1}" type="datetimeFigureOut">
               <a:rPr lang="en-US" smtClean="0"/>
-              <a:t>10/27/21</a:t>
+              <a:t>11/2/21</a:t>
             </a:fld>
             <a:endParaRPr lang="en-US"/>
           </a:p>
@@ -2367,7 +2367,7 @@
           <a:p>
             <a:fld id="{BE5295ED-3BAF-1140-8495-3D368771D6B1}" type="datetimeFigureOut">
               <a:rPr lang="en-US" smtClean="0"/>
-              <a:t>10/27/21</a:t>
+              <a:t>11/2/21</a:t>
             </a:fld>
             <a:endParaRPr lang="en-US"/>
           </a:p>
@@ -2508,7 +2508,7 @@
           <a:p>
             <a:fld id="{BE5295ED-3BAF-1140-8495-3D368771D6B1}" type="datetimeFigureOut">
               <a:rPr lang="en-US" smtClean="0"/>
-              <a:t>10/27/21</a:t>
+              <a:t>11/2/21</a:t>
             </a:fld>
             <a:endParaRPr lang="en-US"/>
           </a:p>
@@ -2621,7 +2621,7 @@
           <a:p>
             <a:fld id="{BE5295ED-3BAF-1140-8495-3D368771D6B1}" type="datetimeFigureOut">
               <a:rPr lang="en-US" smtClean="0"/>
-              <a:t>10/27/21</a:t>
+              <a:t>11/2/21</a:t>
             </a:fld>
             <a:endParaRPr lang="en-US"/>
           </a:p>
@@ -2932,7 +2932,7 @@
           <a:p>
             <a:fld id="{BE5295ED-3BAF-1140-8495-3D368771D6B1}" type="datetimeFigureOut">
               <a:rPr lang="en-US" smtClean="0"/>
-              <a:t>10/27/21</a:t>
+              <a:t>11/2/21</a:t>
             </a:fld>
             <a:endParaRPr lang="en-US"/>
           </a:p>
@@ -3223,7 +3223,7 @@
           <a:p>
             <a:fld id="{BE5295ED-3BAF-1140-8495-3D368771D6B1}" type="datetimeFigureOut">
               <a:rPr lang="en-US" smtClean="0"/>
-              <a:t>10/27/21</a:t>
+              <a:t>11/2/21</a:t>
             </a:fld>
             <a:endParaRPr lang="en-US"/>
           </a:p>
@@ -3464,7 +3464,7 @@
           <a:p>
             <a:fld id="{BE5295ED-3BAF-1140-8495-3D368771D6B1}" type="datetimeFigureOut">
               <a:rPr lang="en-US" smtClean="0"/>
-              <a:t>10/27/21</a:t>
+              <a:t>11/2/21</a:t>
             </a:fld>
             <a:endParaRPr lang="en-US"/>
           </a:p>
@@ -10534,15 +10534,23 @@
             </a:r>
             <a:r>
               <a:rPr lang="en-US" dirty="0"/>
-              <a:t> not in </a:t>
-            </a:r>
-            <a:r>
-              <a:rPr lang="en-US" i="1" dirty="0"/>
-              <a:t>d</a:t>
-            </a:r>
-            <a:r>
-              <a:rPr lang="en-US" dirty="0"/>
-              <a:t> but in </a:t>
+              <a:t> not </a:t>
+            </a:r>
+            <a:r>
+              <a:rPr lang="en-US"/>
+              <a:t>in </a:t>
+            </a:r>
+            <a:r>
+              <a:rPr lang="en-US" i="1"/>
+              <a:t>c</a:t>
+            </a:r>
+            <a:r>
+              <a:rPr lang="en-US"/>
+              <a:t> </a:t>
+            </a:r>
+            <a:r>
+              <a:rPr lang="en-US" dirty="0"/>
+              <a:t>but in </a:t>
             </a:r>
             <a:r>
               <a:rPr lang="en-US" i="1" dirty="0"/>
@@ -10551,7 +10559,7 @@
           </a:p>
           <a:p>
             <a:r>
-              <a:rPr lang="en-US"/>
+              <a:rPr lang="en-US" dirty="0"/>
               <a:t>Treat test doc words </a:t>
             </a:r>
             <a:r>

--- a/lectures/naive-bayes.pptx
+++ b/lectures/naive-bayes.pptx
@@ -232,7 +232,7 @@
           <a:p>
             <a:fld id="{8A1B613A-EFF1-404F-BEE8-EFAE84A4E5E2}" type="datetimeFigureOut">
               <a:rPr lang="en-US" smtClean="0"/>
-              <a:t>11/2/21</a:t>
+              <a:t>11/13/21</a:t>
             </a:fld>
             <a:endParaRPr lang="en-US"/>
           </a:p>
@@ -397,7 +397,7 @@
           <a:p>
             <a:fld id="{690847EA-AC25-3D4E-89E1-FD3F6A9702B6}" type="datetimeFigureOut">
               <a:rPr lang="en-US" smtClean="0"/>
-              <a:t>11/2/21</a:t>
+              <a:t>11/13/21</a:t>
             </a:fld>
             <a:endParaRPr lang="en-US"/>
           </a:p>
@@ -811,7 +811,7 @@
           <a:p>
             <a:fld id="{BE5295ED-3BAF-1140-8495-3D368771D6B1}" type="datetimeFigureOut">
               <a:rPr lang="en-US" smtClean="0"/>
-              <a:t>11/2/21</a:t>
+              <a:t>11/13/21</a:t>
             </a:fld>
             <a:endParaRPr lang="en-US"/>
           </a:p>
@@ -1009,7 +1009,7 @@
           <a:p>
             <a:fld id="{BE5295ED-3BAF-1140-8495-3D368771D6B1}" type="datetimeFigureOut">
               <a:rPr lang="en-US" smtClean="0"/>
-              <a:t>11/2/21</a:t>
+              <a:t>11/13/21</a:t>
             </a:fld>
             <a:endParaRPr lang="en-US"/>
           </a:p>
@@ -1217,7 +1217,7 @@
           <a:p>
             <a:fld id="{BE5295ED-3BAF-1140-8495-3D368771D6B1}" type="datetimeFigureOut">
               <a:rPr lang="en-US" smtClean="0"/>
-              <a:t>11/2/21</a:t>
+              <a:t>11/13/21</a:t>
             </a:fld>
             <a:endParaRPr lang="en-US"/>
           </a:p>
@@ -1415,7 +1415,7 @@
           <a:p>
             <a:fld id="{BE5295ED-3BAF-1140-8495-3D368771D6B1}" type="datetimeFigureOut">
               <a:rPr lang="en-US" smtClean="0"/>
-              <a:t>11/2/21</a:t>
+              <a:t>11/13/21</a:t>
             </a:fld>
             <a:endParaRPr lang="en-US"/>
           </a:p>
@@ -1690,7 +1690,7 @@
           <a:p>
             <a:fld id="{BE5295ED-3BAF-1140-8495-3D368771D6B1}" type="datetimeFigureOut">
               <a:rPr lang="en-US" smtClean="0"/>
-              <a:t>11/2/21</a:t>
+              <a:t>11/13/21</a:t>
             </a:fld>
             <a:endParaRPr lang="en-US"/>
           </a:p>
@@ -1955,7 +1955,7 @@
           <a:p>
             <a:fld id="{BE5295ED-3BAF-1140-8495-3D368771D6B1}" type="datetimeFigureOut">
               <a:rPr lang="en-US" smtClean="0"/>
-              <a:t>11/2/21</a:t>
+              <a:t>11/13/21</a:t>
             </a:fld>
             <a:endParaRPr lang="en-US"/>
           </a:p>
@@ -2367,7 +2367,7 @@
           <a:p>
             <a:fld id="{BE5295ED-3BAF-1140-8495-3D368771D6B1}" type="datetimeFigureOut">
               <a:rPr lang="en-US" smtClean="0"/>
-              <a:t>11/2/21</a:t>
+              <a:t>11/13/21</a:t>
             </a:fld>
             <a:endParaRPr lang="en-US"/>
           </a:p>
@@ -2508,7 +2508,7 @@
           <a:p>
             <a:fld id="{BE5295ED-3BAF-1140-8495-3D368771D6B1}" type="datetimeFigureOut">
               <a:rPr lang="en-US" smtClean="0"/>
-              <a:t>11/2/21</a:t>
+              <a:t>11/13/21</a:t>
             </a:fld>
             <a:endParaRPr lang="en-US"/>
           </a:p>
@@ -2621,7 +2621,7 @@
           <a:p>
             <a:fld id="{BE5295ED-3BAF-1140-8495-3D368771D6B1}" type="datetimeFigureOut">
               <a:rPr lang="en-US" smtClean="0"/>
-              <a:t>11/2/21</a:t>
+              <a:t>11/13/21</a:t>
             </a:fld>
             <a:endParaRPr lang="en-US"/>
           </a:p>
@@ -2932,7 +2932,7 @@
           <a:p>
             <a:fld id="{BE5295ED-3BAF-1140-8495-3D368771D6B1}" type="datetimeFigureOut">
               <a:rPr lang="en-US" smtClean="0"/>
-              <a:t>11/2/21</a:t>
+              <a:t>11/13/21</a:t>
             </a:fld>
             <a:endParaRPr lang="en-US"/>
           </a:p>
@@ -3223,7 +3223,7 @@
           <a:p>
             <a:fld id="{BE5295ED-3BAF-1140-8495-3D368771D6B1}" type="datetimeFigureOut">
               <a:rPr lang="en-US" smtClean="0"/>
-              <a:t>11/2/21</a:t>
+              <a:t>11/13/21</a:t>
             </a:fld>
             <a:endParaRPr lang="en-US"/>
           </a:p>
@@ -3464,7 +3464,7 @@
           <a:p>
             <a:fld id="{BE5295ED-3BAF-1140-8495-3D368771D6B1}" type="datetimeFigureOut">
               <a:rPr lang="en-US" smtClean="0"/>
-              <a:t>11/2/21</a:t>
+              <a:t>11/13/21</a:t>
             </a:fld>
             <a:endParaRPr lang="en-US"/>
           </a:p>
@@ -10999,7 +10999,7 @@
           <a:p>
             <a:r>
               <a:rPr lang="en-US" dirty="0"/>
-              <a:t>That hints that accuracy can be very misleading by itself and for imbalanced datasets</a:t>
+              <a:t>That hints that accuracy can be very misleading by itself and for imbalanced datasets[1]</a:t>
             </a:r>
           </a:p>
           <a:p>
@@ -11018,6 +11018,53 @@
           </a:p>
           <a:p>
             <a:endParaRPr lang="en-US" dirty="0"/>
+          </a:p>
+        </p:txBody>
+      </p:sp>
+      <p:sp>
+        <p:nvSpPr>
+          <p:cNvPr id="4" name="TextBox 3">
+            <a:extLst>
+              <a:ext uri="{FF2B5EF4-FFF2-40B4-BE49-F238E27FC236}">
+                <a16:creationId xmlns:a16="http://schemas.microsoft.com/office/drawing/2014/main" id="{B639DB07-9F7E-D349-9463-6166292E08FD}"/>
+              </a:ext>
+            </a:extLst>
+          </p:cNvPr>
+          <p:cNvSpPr txBox="1"/>
+          <p:nvPr/>
+        </p:nvSpPr>
+        <p:spPr>
+          <a:xfrm>
+            <a:off x="0" y="6211669"/>
+            <a:ext cx="6746399" cy="646331"/>
+          </a:xfrm>
+          <a:prstGeom prst="rect">
+            <a:avLst/>
+          </a:prstGeom>
+          <a:noFill/>
+        </p:spPr>
+        <p:txBody>
+          <a:bodyPr wrap="none" rtlCol="0">
+            <a:spAutoFit/>
+          </a:bodyPr>
+          <a:lstStyle/>
+          <a:p>
+            <a:r>
+              <a:rPr lang="en-US" dirty="0"/>
+              <a:t>[1] The Relationship Between Precision-Recall and ROC Curves</a:t>
+            </a:r>
+          </a:p>
+          <a:p>
+            <a:r>
+              <a:rPr lang="en-US" dirty="0">
+                <a:hlinkClick r:id="rId2"/>
+              </a:rPr>
+              <a:t>https://www.biostat.wisc.edu/~page/rocpr.pdf</a:t>
+            </a:r>
+            <a:r>
+              <a:rPr lang="en-US" dirty="0"/>
+              <a:t> </a:t>
+            </a:r>
           </a:p>
         </p:txBody>
       </p:sp>
